--- a/Project 1 - F1 factors.pptx
+++ b/Project 1 - F1 factors.pptx
@@ -15,12 +15,11 @@
     <p:sldId id="263" r:id="rId9"/>
     <p:sldId id="264" r:id="rId10"/>
     <p:sldId id="265" r:id="rId11"/>
-    <p:sldId id="266" r:id="rId12"/>
-    <p:sldId id="267" r:id="rId13"/>
-    <p:sldId id="268" r:id="rId14"/>
-    <p:sldId id="270" r:id="rId15"/>
-    <p:sldId id="269" r:id="rId16"/>
-    <p:sldId id="271" r:id="rId17"/>
+    <p:sldId id="267" r:id="rId12"/>
+    <p:sldId id="268" r:id="rId13"/>
+    <p:sldId id="270" r:id="rId14"/>
+    <p:sldId id="269" r:id="rId15"/>
+    <p:sldId id="271" r:id="rId16"/>
   </p:sldIdLst>
   <p:sldSz cx="12192000" cy="6858000"/>
   <p:notesSz cx="6858000" cy="9144000"/>
@@ -139,8 +138,8 @@
 <pc:chgInfo xmlns:a="http://schemas.openxmlformats.org/drawingml/2006/main" xmlns:r="http://schemas.openxmlformats.org/officeDocument/2006/relationships" xmlns:ac="http://schemas.microsoft.com/office/drawing/2013/main/command" xmlns:pc="http://schemas.microsoft.com/office/powerpoint/2013/main/command">
   <pc:docChgLst>
     <pc:chgData name="Andrea Sciubba" userId="02df033adaa03d88" providerId="LiveId" clId="{04901E21-CA9F-4701-9924-5826E8AD5A7A}"/>
-    <pc:docChg chg="undo custSel mod modSld sldOrd">
-      <pc:chgData name="Andrea Sciubba" userId="02df033adaa03d88" providerId="LiveId" clId="{04901E21-CA9F-4701-9924-5826E8AD5A7A}" dt="2021-02-05T14:28:23.509" v="2097"/>
+    <pc:docChg chg="undo custSel mod delSld modSld sldOrd">
+      <pc:chgData name="Andrea Sciubba" userId="02df033adaa03d88" providerId="LiveId" clId="{04901E21-CA9F-4701-9924-5826E8AD5A7A}" dt="2021-02-05T14:33:00.555" v="2205" actId="20577"/>
       <pc:docMkLst>
         <pc:docMk/>
       </pc:docMkLst>
@@ -1792,8 +1791,15 @@
           </ac:picMkLst>
         </pc:picChg>
       </pc:sldChg>
+      <pc:sldChg chg="del">
+        <pc:chgData name="Andrea Sciubba" userId="02df033adaa03d88" providerId="LiveId" clId="{04901E21-CA9F-4701-9924-5826E8AD5A7A}" dt="2021-02-05T14:32:25.938" v="2098" actId="2696"/>
+        <pc:sldMkLst>
+          <pc:docMk/>
+          <pc:sldMk cId="1970961275" sldId="266"/>
+        </pc:sldMkLst>
+      </pc:sldChg>
       <pc:sldChg chg="addSp delSp modSp mod setBg">
-        <pc:chgData name="Andrea Sciubba" userId="02df033adaa03d88" providerId="LiveId" clId="{04901E21-CA9F-4701-9924-5826E8AD5A7A}" dt="2021-02-05T14:17:27.043" v="1519" actId="1076"/>
+        <pc:chgData name="Andrea Sciubba" userId="02df033adaa03d88" providerId="LiveId" clId="{04901E21-CA9F-4701-9924-5826E8AD5A7A}" dt="2021-02-05T14:33:00.555" v="2205" actId="20577"/>
         <pc:sldMkLst>
           <pc:docMk/>
           <pc:sldMk cId="1849054277" sldId="267"/>
@@ -1807,7 +1813,7 @@
           </ac:spMkLst>
         </pc:spChg>
         <pc:spChg chg="mod">
-          <ac:chgData name="Andrea Sciubba" userId="02df033adaa03d88" providerId="LiveId" clId="{04901E21-CA9F-4701-9924-5826E8AD5A7A}" dt="2021-02-05T14:04:29.634" v="1475" actId="26606"/>
+          <ac:chgData name="Andrea Sciubba" userId="02df033adaa03d88" providerId="LiveId" clId="{04901E21-CA9F-4701-9924-5826E8AD5A7A}" dt="2021-02-05T14:33:00.555" v="2205" actId="20577"/>
           <ac:spMkLst>
             <pc:docMk/>
             <pc:sldMk cId="1849054277" sldId="267"/>
@@ -6667,94 +6673,6 @@
 <file path=ppt/slides/slide11.xml><?xml version="1.0" encoding="utf-8"?>
 <p:sld xmlns:a="http://schemas.openxmlformats.org/drawingml/2006/main" xmlns:r="http://schemas.openxmlformats.org/officeDocument/2006/relationships" xmlns:p="http://schemas.openxmlformats.org/presentationml/2006/main">
   <p:cSld>
-    <p:spTree>
-      <p:nvGrpSpPr>
-        <p:cNvPr id="1" name=""/>
-        <p:cNvGrpSpPr/>
-        <p:nvPr/>
-      </p:nvGrpSpPr>
-      <p:grpSpPr>
-        <a:xfrm>
-          <a:off x="0" y="0"/>
-          <a:ext cx="0" cy="0"/>
-          <a:chOff x="0" y="0"/>
-          <a:chExt cx="0" cy="0"/>
-        </a:xfrm>
-      </p:grpSpPr>
-      <p:sp>
-        <p:nvSpPr>
-          <p:cNvPr id="2" name="Title 1">
-            <a:extLst>
-              <a:ext uri="{FF2B5EF4-FFF2-40B4-BE49-F238E27FC236}">
-                <a16:creationId xmlns:a16="http://schemas.microsoft.com/office/drawing/2014/main" id="{40D72E56-8BB2-4A3C-9460-65E76C8B7215}"/>
-              </a:ext>
-            </a:extLst>
-          </p:cNvPr>
-          <p:cNvSpPr>
-            <a:spLocks noGrp="1"/>
-          </p:cNvSpPr>
-          <p:nvPr>
-            <p:ph type="title"/>
-          </p:nvPr>
-        </p:nvSpPr>
-        <p:spPr/>
-        <p:txBody>
-          <a:bodyPr/>
-          <a:lstStyle/>
-          <a:p>
-            <a:r>
-              <a:rPr lang="en-AU" dirty="0"/>
-              <a:t>Fastest lap speed</a:t>
-            </a:r>
-          </a:p>
-        </p:txBody>
-      </p:sp>
-      <p:sp>
-        <p:nvSpPr>
-          <p:cNvPr id="3" name="Content Placeholder 2">
-            <a:extLst>
-              <a:ext uri="{FF2B5EF4-FFF2-40B4-BE49-F238E27FC236}">
-                <a16:creationId xmlns:a16="http://schemas.microsoft.com/office/drawing/2014/main" id="{DCE390C9-05FD-4FB4-ABD7-EA05EBAE56C1}"/>
-              </a:ext>
-            </a:extLst>
-          </p:cNvPr>
-          <p:cNvSpPr>
-            <a:spLocks noGrp="1"/>
-          </p:cNvSpPr>
-          <p:nvPr>
-            <p:ph idx="1"/>
-          </p:nvPr>
-        </p:nvSpPr>
-        <p:spPr>
-          <a:xfrm>
-            <a:off x="6920916" y="1825625"/>
-            <a:ext cx="4432883" cy="4351338"/>
-          </a:xfrm>
-        </p:spPr>
-        <p:txBody>
-          <a:bodyPr/>
-          <a:lstStyle/>
-          <a:p>
-            <a:endParaRPr lang="en-AU" dirty="0"/>
-          </a:p>
-        </p:txBody>
-      </p:sp>
-    </p:spTree>
-    <p:extLst>
-      <p:ext uri="{BB962C8B-B14F-4D97-AF65-F5344CB8AC3E}">
-        <p14:creationId xmlns:p14="http://schemas.microsoft.com/office/powerpoint/2010/main" val="1970961275"/>
-      </p:ext>
-    </p:extLst>
-  </p:cSld>
-  <p:clrMapOvr>
-    <a:masterClrMapping/>
-  </p:clrMapOvr>
-</p:sld>
-</file>
-
-<file path=ppt/slides/slide12.xml><?xml version="1.0" encoding="utf-8"?>
-<p:sld xmlns:a="http://schemas.openxmlformats.org/drawingml/2006/main" xmlns:r="http://schemas.openxmlformats.org/officeDocument/2006/relationships" xmlns:p="http://schemas.openxmlformats.org/presentationml/2006/main">
-  <p:cSld>
     <p:bg>
       <p:bgPr>
         <a:solidFill>
@@ -7406,7 +7324,7 @@
               <a:buChar char="•"/>
             </a:pPr>
             <a:r>
-              <a:rPr lang="en-US"/>
+              <a:rPr lang="en-US" dirty="0"/>
               <a:t>Starting position on grid compared to finished position</a:t>
             </a:r>
           </a:p>
@@ -7422,8 +7340,8 @@
               <a:buChar char="•"/>
             </a:pPr>
             <a:r>
-              <a:rPr lang="en-US"/>
-              <a:t>Strong positive linear correlation for positions 1 to 20, then no consistent trend</a:t>
+              <a:rPr lang="en-US" dirty="0"/>
+              <a:t>H0: The starting grid position has no affect on the finishing position</a:t>
             </a:r>
           </a:p>
           <a:p>
@@ -7438,7 +7356,23 @@
               <a:buChar char="•"/>
             </a:pPr>
             <a:r>
-              <a:rPr lang="en-US"/>
+              <a:rPr lang="en-US" dirty="0"/>
+              <a:t>Strong positive linear correlation for positions 1 to 20, then no consistent trend</a:t>
+            </a:r>
+          </a:p>
+          <a:p>
+            <a:pPr marL="285750" indent="-228600">
+              <a:lnSpc>
+                <a:spcPct val="90000"/>
+              </a:lnSpc>
+              <a:spcAft>
+                <a:spcPts val="600"/>
+              </a:spcAft>
+              <a:buFont typeface="Arial" panose="020B0604020202020204" pitchFamily="34" charset="0"/>
+              <a:buChar char="•"/>
+            </a:pPr>
+            <a:r>
+              <a:rPr lang="en-US" dirty="0"/>
               <a:t>Reasons: race originally had 34 grid positions then changed to 20, therefore more data collected</a:t>
             </a:r>
           </a:p>
@@ -7531,7 +7465,7 @@
 </p:sld>
 </file>
 
-<file path=ppt/slides/slide13.xml><?xml version="1.0" encoding="utf-8"?>
+<file path=ppt/slides/slide12.xml><?xml version="1.0" encoding="utf-8"?>
 <p:sld xmlns:a="http://schemas.openxmlformats.org/drawingml/2006/main" xmlns:r="http://schemas.openxmlformats.org/officeDocument/2006/relationships" xmlns:p="http://schemas.openxmlformats.org/presentationml/2006/main">
   <p:cSld>
     <p:bg>
@@ -8293,7 +8227,7 @@
 </p:sld>
 </file>
 
-<file path=ppt/slides/slide14.xml><?xml version="1.0" encoding="utf-8"?>
+<file path=ppt/slides/slide13.xml><?xml version="1.0" encoding="utf-8"?>
 <p:sld xmlns:a="http://schemas.openxmlformats.org/drawingml/2006/main" xmlns:r="http://schemas.openxmlformats.org/officeDocument/2006/relationships" xmlns:p="http://schemas.openxmlformats.org/presentationml/2006/main">
   <p:cSld>
     <p:bg>
@@ -8916,7 +8850,7 @@
 </p:sld>
 </file>
 
-<file path=ppt/slides/slide15.xml><?xml version="1.0" encoding="utf-8"?>
+<file path=ppt/slides/slide14.xml><?xml version="1.0" encoding="utf-8"?>
 <p:sld xmlns:a="http://schemas.openxmlformats.org/drawingml/2006/main" xmlns:r="http://schemas.openxmlformats.org/officeDocument/2006/relationships" xmlns:p="http://schemas.openxmlformats.org/presentationml/2006/main">
   <p:cSld>
     <p:bg>
@@ -9761,7 +9695,7 @@
 </p:sld>
 </file>
 
-<file path=ppt/slides/slide16.xml><?xml version="1.0" encoding="utf-8"?>
+<file path=ppt/slides/slide15.xml><?xml version="1.0" encoding="utf-8"?>
 <p:sld xmlns:a="http://schemas.openxmlformats.org/drawingml/2006/main" xmlns:r="http://schemas.openxmlformats.org/officeDocument/2006/relationships" xmlns:p="http://schemas.openxmlformats.org/presentationml/2006/main">
   <p:cSld>
     <p:bg>

--- a/Project 1 - F1 factors.pptx
+++ b/Project 1 - F1 factors.pptx
@@ -139,12 +139,12 @@
   <pc:docChgLst>
     <pc:chgData name="Andrea Sciubba" userId="02df033adaa03d88" providerId="LiveId" clId="{04901E21-CA9F-4701-9924-5826E8AD5A7A}"/>
     <pc:docChg chg="undo custSel mod delSld modSld sldOrd">
-      <pc:chgData name="Andrea Sciubba" userId="02df033adaa03d88" providerId="LiveId" clId="{04901E21-CA9F-4701-9924-5826E8AD5A7A}" dt="2021-02-05T14:33:00.555" v="2205" actId="20577"/>
+      <pc:chgData name="Andrea Sciubba" userId="02df033adaa03d88" providerId="LiveId" clId="{04901E21-CA9F-4701-9924-5826E8AD5A7A}" dt="2021-02-06T01:29:51.250" v="2308" actId="20577"/>
       <pc:docMkLst>
         <pc:docMk/>
       </pc:docMkLst>
       <pc:sldChg chg="addSp delSp modSp mod setBg">
-        <pc:chgData name="Andrea Sciubba" userId="02df033adaa03d88" providerId="LiveId" clId="{04901E21-CA9F-4701-9924-5826E8AD5A7A}" dt="2021-02-05T13:59:42.302" v="1434" actId="26606"/>
+        <pc:chgData name="Andrea Sciubba" userId="02df033adaa03d88" providerId="LiveId" clId="{04901E21-CA9F-4701-9924-5826E8AD5A7A}" dt="2021-02-06T01:22:26.817" v="2207" actId="20577"/>
         <pc:sldMkLst>
           <pc:docMk/>
           <pc:sldMk cId="2829976908" sldId="256"/>
@@ -158,7 +158,7 @@
           </ac:spMkLst>
         </pc:spChg>
         <pc:spChg chg="mod ord">
-          <ac:chgData name="Andrea Sciubba" userId="02df033adaa03d88" providerId="LiveId" clId="{04901E21-CA9F-4701-9924-5826E8AD5A7A}" dt="2021-02-05T13:59:42.302" v="1434" actId="26606"/>
+          <ac:chgData name="Andrea Sciubba" userId="02df033adaa03d88" providerId="LiveId" clId="{04901E21-CA9F-4701-9924-5826E8AD5A7A}" dt="2021-02-06T01:22:26.817" v="2207" actId="20577"/>
           <ac:spMkLst>
             <pc:docMk/>
             <pc:sldMk cId="2829976908" sldId="256"/>
@@ -870,7 +870,7 @@
         </pc:cxnChg>
       </pc:sldChg>
       <pc:sldChg chg="addSp delSp modSp mod setBg">
-        <pc:chgData name="Andrea Sciubba" userId="02df033adaa03d88" providerId="LiveId" clId="{04901E21-CA9F-4701-9924-5826E8AD5A7A}" dt="2021-02-05T14:24:00.461" v="1558" actId="255"/>
+        <pc:chgData name="Andrea Sciubba" userId="02df033adaa03d88" providerId="LiveId" clId="{04901E21-CA9F-4701-9924-5826E8AD5A7A}" dt="2021-02-06T01:25:19.699" v="2228" actId="20577"/>
         <pc:sldMkLst>
           <pc:docMk/>
           <pc:sldMk cId="2213883538" sldId="258"/>
@@ -884,7 +884,7 @@
           </ac:spMkLst>
         </pc:spChg>
         <pc:spChg chg="mod">
-          <ac:chgData name="Andrea Sciubba" userId="02df033adaa03d88" providerId="LiveId" clId="{04901E21-CA9F-4701-9924-5826E8AD5A7A}" dt="2021-02-05T14:24:00.461" v="1558" actId="255"/>
+          <ac:chgData name="Andrea Sciubba" userId="02df033adaa03d88" providerId="LiveId" clId="{04901E21-CA9F-4701-9924-5826E8AD5A7A}" dt="2021-02-06T01:25:19.699" v="2228" actId="20577"/>
           <ac:spMkLst>
             <pc:docMk/>
             <pc:sldMk cId="2213883538" sldId="258"/>
@@ -997,7 +997,7 @@
         </pc:picChg>
       </pc:sldChg>
       <pc:sldChg chg="addSp delSp modSp mod setBg chgLayout">
-        <pc:chgData name="Andrea Sciubba" userId="02df033adaa03d88" providerId="LiveId" clId="{04901E21-CA9F-4701-9924-5826E8AD5A7A}" dt="2021-02-05T14:08:21.456" v="1501" actId="255"/>
+        <pc:chgData name="Andrea Sciubba" userId="02df033adaa03d88" providerId="LiveId" clId="{04901E21-CA9F-4701-9924-5826E8AD5A7A}" dt="2021-02-06T01:24:17.248" v="2209" actId="20577"/>
         <pc:sldMkLst>
           <pc:docMk/>
           <pc:sldMk cId="1950159477" sldId="259"/>
@@ -1011,7 +1011,7 @@
           </ac:spMkLst>
         </pc:spChg>
         <pc:spChg chg="mod ord">
-          <ac:chgData name="Andrea Sciubba" userId="02df033adaa03d88" providerId="LiveId" clId="{04901E21-CA9F-4701-9924-5826E8AD5A7A}" dt="2021-02-05T14:08:21.456" v="1501" actId="255"/>
+          <ac:chgData name="Andrea Sciubba" userId="02df033adaa03d88" providerId="LiveId" clId="{04901E21-CA9F-4701-9924-5826E8AD5A7A}" dt="2021-02-06T01:24:17.248" v="2209" actId="20577"/>
           <ac:spMkLst>
             <pc:docMk/>
             <pc:sldMk cId="1950159477" sldId="259"/>
@@ -1713,7 +1713,7 @@
         </pc:picChg>
       </pc:sldChg>
       <pc:sldChg chg="addSp delSp modSp mod setBg">
-        <pc:chgData name="Andrea Sciubba" userId="02df033adaa03d88" providerId="LiveId" clId="{04901E21-CA9F-4701-9924-5826E8AD5A7A}" dt="2021-02-05T14:03:57.429" v="1469" actId="26606"/>
+        <pc:chgData name="Andrea Sciubba" userId="02df033adaa03d88" providerId="LiveId" clId="{04901E21-CA9F-4701-9924-5826E8AD5A7A}" dt="2021-02-06T01:29:51.250" v="2308" actId="20577"/>
         <pc:sldMkLst>
           <pc:docMk/>
           <pc:sldMk cId="1553275738" sldId="265"/>
@@ -1735,7 +1735,7 @@
           </ac:spMkLst>
         </pc:spChg>
         <pc:spChg chg="add mod">
-          <ac:chgData name="Andrea Sciubba" userId="02df033adaa03d88" providerId="LiveId" clId="{04901E21-CA9F-4701-9924-5826E8AD5A7A}" dt="2021-02-05T14:03:57.429" v="1469" actId="26606"/>
+          <ac:chgData name="Andrea Sciubba" userId="02df033adaa03d88" providerId="LiveId" clId="{04901E21-CA9F-4701-9924-5826E8AD5A7A}" dt="2021-02-06T01:29:51.250" v="2308" actId="20577"/>
           <ac:spMkLst>
             <pc:docMk/>
             <pc:sldMk cId="1553275738" sldId="265"/>
@@ -2483,7 +2483,7 @@
           <a:p>
             <a:fld id="{4B0D28BF-9C43-493C-B718-09D6A2AD49AC}" type="datetimeFigureOut">
               <a:rPr lang="en-AU" smtClean="0"/>
-              <a:t>5/02/2021</a:t>
+              <a:t>6/02/2021</a:t>
             </a:fld>
             <a:endParaRPr lang="en-AU"/>
           </a:p>
@@ -2683,7 +2683,7 @@
           <a:p>
             <a:fld id="{4B0D28BF-9C43-493C-B718-09D6A2AD49AC}" type="datetimeFigureOut">
               <a:rPr lang="en-AU" smtClean="0"/>
-              <a:t>5/02/2021</a:t>
+              <a:t>6/02/2021</a:t>
             </a:fld>
             <a:endParaRPr lang="en-AU"/>
           </a:p>
@@ -2893,7 +2893,7 @@
           <a:p>
             <a:fld id="{4B0D28BF-9C43-493C-B718-09D6A2AD49AC}" type="datetimeFigureOut">
               <a:rPr lang="en-AU" smtClean="0"/>
-              <a:t>5/02/2021</a:t>
+              <a:t>6/02/2021</a:t>
             </a:fld>
             <a:endParaRPr lang="en-AU"/>
           </a:p>
@@ -3093,7 +3093,7 @@
           <a:p>
             <a:fld id="{4B0D28BF-9C43-493C-B718-09D6A2AD49AC}" type="datetimeFigureOut">
               <a:rPr lang="en-AU" smtClean="0"/>
-              <a:t>5/02/2021</a:t>
+              <a:t>6/02/2021</a:t>
             </a:fld>
             <a:endParaRPr lang="en-AU"/>
           </a:p>
@@ -3369,7 +3369,7 @@
           <a:p>
             <a:fld id="{4B0D28BF-9C43-493C-B718-09D6A2AD49AC}" type="datetimeFigureOut">
               <a:rPr lang="en-AU" smtClean="0"/>
-              <a:t>5/02/2021</a:t>
+              <a:t>6/02/2021</a:t>
             </a:fld>
             <a:endParaRPr lang="en-AU"/>
           </a:p>
@@ -3637,7 +3637,7 @@
           <a:p>
             <a:fld id="{4B0D28BF-9C43-493C-B718-09D6A2AD49AC}" type="datetimeFigureOut">
               <a:rPr lang="en-AU" smtClean="0"/>
-              <a:t>5/02/2021</a:t>
+              <a:t>6/02/2021</a:t>
             </a:fld>
             <a:endParaRPr lang="en-AU"/>
           </a:p>
@@ -4052,7 +4052,7 @@
           <a:p>
             <a:fld id="{4B0D28BF-9C43-493C-B718-09D6A2AD49AC}" type="datetimeFigureOut">
               <a:rPr lang="en-AU" smtClean="0"/>
-              <a:t>5/02/2021</a:t>
+              <a:t>6/02/2021</a:t>
             </a:fld>
             <a:endParaRPr lang="en-AU"/>
           </a:p>
@@ -4194,7 +4194,7 @@
           <a:p>
             <a:fld id="{4B0D28BF-9C43-493C-B718-09D6A2AD49AC}" type="datetimeFigureOut">
               <a:rPr lang="en-AU" smtClean="0"/>
-              <a:t>5/02/2021</a:t>
+              <a:t>6/02/2021</a:t>
             </a:fld>
             <a:endParaRPr lang="en-AU"/>
           </a:p>
@@ -4307,7 +4307,7 @@
           <a:p>
             <a:fld id="{4B0D28BF-9C43-493C-B718-09D6A2AD49AC}" type="datetimeFigureOut">
               <a:rPr lang="en-AU" smtClean="0"/>
-              <a:t>5/02/2021</a:t>
+              <a:t>6/02/2021</a:t>
             </a:fld>
             <a:endParaRPr lang="en-AU"/>
           </a:p>
@@ -4620,7 +4620,7 @@
           <a:p>
             <a:fld id="{4B0D28BF-9C43-493C-B718-09D6A2AD49AC}" type="datetimeFigureOut">
               <a:rPr lang="en-AU" smtClean="0"/>
-              <a:t>5/02/2021</a:t>
+              <a:t>6/02/2021</a:t>
             </a:fld>
             <a:endParaRPr lang="en-AU"/>
           </a:p>
@@ -4909,7 +4909,7 @@
           <a:p>
             <a:fld id="{4B0D28BF-9C43-493C-B718-09D6A2AD49AC}" type="datetimeFigureOut">
               <a:rPr lang="en-AU" smtClean="0"/>
-              <a:t>5/02/2021</a:t>
+              <a:t>6/02/2021</a:t>
             </a:fld>
             <a:endParaRPr lang="en-AU"/>
           </a:p>
@@ -5152,7 +5152,7 @@
           <a:p>
             <a:fld id="{4B0D28BF-9C43-493C-B718-09D6A2AD49AC}" type="datetimeFigureOut">
               <a:rPr lang="en-AU" smtClean="0"/>
-              <a:t>5/02/2021</a:t>
+              <a:t>6/02/2021</a:t>
             </a:fld>
             <a:endParaRPr lang="en-AU"/>
           </a:p>
@@ -6568,7 +6568,7 @@
               <a:buChar char="•"/>
             </a:pPr>
             <a:r>
-              <a:rPr lang="en-US" sz="1700"/>
+              <a:rPr lang="en-US" sz="1700" dirty="0"/>
               <a:t>At what point in the race do the fastest laps occur</a:t>
             </a:r>
           </a:p>
@@ -6584,9 +6584,22 @@
               <a:buChar char="•"/>
             </a:pPr>
             <a:r>
+              <a:rPr lang="en-US" sz="1700" dirty="0"/>
+              <a:t>The peak is </a:t>
+            </a:r>
+            <a:r>
+              <a:rPr lang="en-US" sz="1700" dirty="0" err="1"/>
+              <a:t>approx</a:t>
+            </a:r>
+            <a:r>
+              <a:rPr lang="en-US" sz="1700" dirty="0"/>
+              <a:t> the ¾ point into the race</a:t>
+            </a:r>
+            <a:r>
               <a:rPr lang="en-US" sz="1700"/>
-              <a:t>The four highest bars are</a:t>
+              <a:t>, around lap 60</a:t>
             </a:r>
+            <a:endParaRPr lang="en-US" sz="1700" dirty="0"/>
           </a:p>
           <a:p>
             <a:pPr marL="285750" indent="-228600">
@@ -6600,8 +6613,16 @@
               <a:buChar char="•"/>
             </a:pPr>
             <a:r>
-              <a:rPr lang="en-US" sz="1700"/>
-              <a:t>Reasons: optimal conditions of the car (e.g. tyre condition), team strategy</a:t>
+              <a:rPr lang="en-US" sz="1700" dirty="0"/>
+              <a:t>Reasons: optimal conditions of the car (e.g. </a:t>
+            </a:r>
+            <a:r>
+              <a:rPr lang="en-US" sz="1700" dirty="0" err="1"/>
+              <a:t>tyre</a:t>
+            </a:r>
+            <a:r>
+              <a:rPr lang="en-US" sz="1700" dirty="0"/>
+              <a:t> condition), team strategy</a:t>
             </a:r>
           </a:p>
           <a:p>
@@ -6615,7 +6636,7 @@
               <a:buFont typeface="Arial" panose="020B0604020202020204" pitchFamily="34" charset="0"/>
               <a:buChar char="•"/>
             </a:pPr>
-            <a:endParaRPr lang="en-US" sz="1700"/>
+            <a:endParaRPr lang="en-US" sz="1700" dirty="0"/>
           </a:p>
         </p:txBody>
       </p:sp>
@@ -10565,7 +10586,7 @@
               <a:buNone/>
             </a:pPr>
             <a:r>
-              <a:rPr lang="en-AU" sz="1700">
+              <a:rPr lang="en-AU" sz="1700" dirty="0">
                 <a:effectLst/>
                 <a:latin typeface="Arial" panose="020B0604020202020204" pitchFamily="34" charset="0"/>
                 <a:ea typeface="Times New Roman" panose="02020603050405020304" pitchFamily="18" charset="0"/>
@@ -10574,7 +10595,7 @@
               <a:t>The governing body of F1 racing, the FIA </a:t>
             </a:r>
             <a:r>
-              <a:rPr lang="en-AU" sz="1700">
+              <a:rPr lang="en-AU" sz="1700" dirty="0">
                 <a:effectLst/>
                 <a:latin typeface="Arial" panose="020B0604020202020204" pitchFamily="34" charset="0"/>
                 <a:ea typeface="Times New Roman" panose="02020603050405020304" pitchFamily="18" charset="0"/>
@@ -10583,15 +10604,31 @@
               <a:t>(</a:t>
             </a:r>
             <a:r>
-              <a:rPr lang="en-AU" sz="1700" b="0" i="0">
+              <a:rPr lang="en-AU" sz="1700" b="0" i="0" dirty="0">
                 <a:effectLst/>
                 <a:latin typeface="Arial" panose="020B0604020202020204" pitchFamily="34" charset="0"/>
                 <a:cs typeface="Arial" panose="020B0604020202020204" pitchFamily="34" charset="0"/>
               </a:rPr>
-              <a:t>Fédération Internationale de l'Automobile)</a:t>
+              <a:t>Fédération Internationale de </a:t>
             </a:r>
             <a:r>
-              <a:rPr lang="en-AU" sz="1700">
+              <a:rPr lang="en-AU" sz="1700" b="0" i="0" dirty="0" err="1">
+                <a:effectLst/>
+                <a:latin typeface="Arial" panose="020B0604020202020204" pitchFamily="34" charset="0"/>
+                <a:cs typeface="Arial" panose="020B0604020202020204" pitchFamily="34" charset="0"/>
+              </a:rPr>
+              <a:t>l'Automobile</a:t>
+            </a:r>
+            <a:r>
+              <a:rPr lang="en-AU" sz="1700" b="0" i="0" dirty="0">
+                <a:effectLst/>
+                <a:latin typeface="Arial" panose="020B0604020202020204" pitchFamily="34" charset="0"/>
+                <a:cs typeface="Arial" panose="020B0604020202020204" pitchFamily="34" charset="0"/>
+              </a:rPr>
+              <a:t>)</a:t>
+            </a:r>
+            <a:r>
+              <a:rPr lang="en-AU" sz="1700" dirty="0">
                 <a:effectLst/>
                 <a:latin typeface="Arial" panose="020B0604020202020204" pitchFamily="34" charset="0"/>
                 <a:ea typeface="Times New Roman" panose="02020603050405020304" pitchFamily="18" charset="0"/>
@@ -10600,15 +10637,15 @@
               <a:t>, </a:t>
             </a:r>
             <a:r>
-              <a:rPr lang="en-AU" sz="1700">
+              <a:rPr lang="en-AU" sz="1700" dirty="0">
                 <a:effectLst/>
                 <a:latin typeface="Arial" panose="020B0604020202020204" pitchFamily="34" charset="0"/>
                 <a:ea typeface="Times New Roman" panose="02020603050405020304" pitchFamily="18" charset="0"/>
                 <a:cs typeface="Times New Roman" panose="02020603050405020304" pitchFamily="18" charset="0"/>
               </a:rPr>
-              <a:t>has tasked data analysts from "F1 Fanatics" to review data from 1950 until 2021 to investigate factors affecting F1 races to help them grow the sport and better plan races for the future.</a:t>
+              <a:t>has tasked data analysts from "F1 Fanatics" to review data from 1950 until 2020 to investigate factors affecting F1 races to help them grow the sport and better plan races for the future.</a:t>
             </a:r>
-            <a:endParaRPr lang="en-AU" sz="1700">
+            <a:endParaRPr lang="en-AU" sz="1700" dirty="0">
               <a:effectLst/>
               <a:latin typeface="Calibri" panose="020F0502020204030204" pitchFamily="34" charset="0"/>
               <a:ea typeface="Calibri" panose="020F0502020204030204" pitchFamily="34" charset="0"/>
@@ -10616,7 +10653,7 @@
             </a:endParaRPr>
           </a:p>
           <a:p>
-            <a:endParaRPr lang="en-AU" sz="1700"/>
+            <a:endParaRPr lang="en-AU" sz="1700" dirty="0"/>
           </a:p>
         </p:txBody>
       </p:sp>
@@ -11126,7 +11163,7 @@
                 <a:latin typeface="Arial" panose="020B0604020202020204" pitchFamily="34" charset="0"/>
                 <a:cs typeface="Arial" panose="020B0604020202020204" pitchFamily="34" charset="0"/>
               </a:rPr>
-              <a:t>Over the 71 years, races have occurred in 32 countries at 77 racing circuits </a:t>
+              <a:t>Over the 70 years, races have occurred in 32 countries at 77 racing circuits </a:t>
             </a:r>
           </a:p>
         </p:txBody>
@@ -11997,15 +12034,6 @@
                 <a:cs typeface="Arial" panose="020B0604020202020204" pitchFamily="34" charset="0"/>
               </a:rPr>
               <a:t>Fastest laps</a:t>
-            </a:r>
-          </a:p>
-          <a:p>
-            <a:r>
-              <a:rPr lang="en-AU" sz="1400" dirty="0">
-                <a:latin typeface="Arial" panose="020B0604020202020204" pitchFamily="34" charset="0"/>
-                <a:cs typeface="Arial" panose="020B0604020202020204" pitchFamily="34" charset="0"/>
-              </a:rPr>
-              <a:t>Fastest lap speed</a:t>
             </a:r>
           </a:p>
           <a:p>
